--- a/Data Science Journey.pptx
+++ b/Data Science Journey.pptx
@@ -2093,7 +2093,7 @@
         <p:spPr>
           <a:xfrm>
             <a:off x="1176019" y="4300220"/>
-            <a:ext cx="5885180" cy="1422825"/>
+            <a:ext cx="5885180" cy="1689565"/>
           </a:xfrm>
           <a:prstGeom prst="rect">
             <a:avLst/>
@@ -2121,7 +2121,7 @@
                 <a:latin typeface="Arial"/>
                 <a:cs typeface="Arial"/>
               </a:rPr>
-              <a:t>Navas Sherif I</a:t>
+              <a:t>Ali Nikkhah I</a:t>
             </a:r>
             <a:endParaRPr sz="2400" dirty="0">
               <a:latin typeface="Arial"/>
@@ -2129,31 +2129,57 @@
             </a:endParaRPr>
           </a:p>
           <a:p>
-            <a:pPr marL="12700">
+            <a:pPr>
               <a:lnSpc>
                 <a:spcPct val="100000"/>
               </a:lnSpc>
               <a:spcBef>
-                <a:spcPts val="755"/>
+                <a:spcPts val="40"/>
               </a:spcBef>
             </a:pPr>
             <a:r>
-              <a:rPr lang="en-IN" sz="2400" spc="70" dirty="0">
-                <a:solidFill>
-                  <a:srgbClr val="616E52"/>
-                </a:solidFill>
-                <a:latin typeface="Arial"/>
-                <a:cs typeface="Arial"/>
+              <a:rPr lang="en-IN" sz="2400" u="heavy" spc="-10" dirty="0">
+                <a:solidFill>
+                  <a:srgbClr val="800080"/>
+                </a:solidFill>
+                <a:uFill>
+                  <a:solidFill>
+                    <a:srgbClr val="800080"/>
+                  </a:solidFill>
+                </a:uFill>
+                <a:latin typeface="Carlito"/>
+                <a:cs typeface="Carlito"/>
                 <a:hlinkClick r:id="rId2"/>
               </a:rPr>
-              <a:t>https://github.com/navassherif98</a:t>
-            </a:r>
-            <a:endParaRPr lang="en-IN" sz="2400" spc="70" dirty="0">
-              <a:solidFill>
-                <a:srgbClr val="616E52"/>
-              </a:solidFill>
-              <a:latin typeface="Arial"/>
-              <a:cs typeface="Arial"/>
+              <a:t>https://github.com/ </a:t>
+            </a:r>
+            <a:r>
+              <a:rPr lang="en-US" sz="2400" dirty="0" err="1">
+                <a:hlinkClick r:id="rId3"/>
+              </a:rPr>
+              <a:t>aliinikkhah</a:t>
+            </a:r>
+            <a:r>
+              <a:rPr lang="en-US" sz="2400" dirty="0">
+                <a:hlinkClick r:id="rId3"/>
+              </a:rPr>
+              <a:t>/Data-science-journey: for </a:t>
+            </a:r>
+            <a:r>
+              <a:rPr lang="en-US" sz="2400" dirty="0" err="1">
+                <a:hlinkClick r:id="rId3"/>
+              </a:rPr>
+              <a:t>Ibm</a:t>
+            </a:r>
+            <a:r>
+              <a:rPr lang="en-US" sz="2400" dirty="0">
+                <a:hlinkClick r:id="rId3"/>
+              </a:rPr>
+              <a:t> (github.com)</a:t>
+            </a:r>
+            <a:endParaRPr lang="en-IN" sz="2800" dirty="0">
+              <a:latin typeface="Carlito"/>
+              <a:cs typeface="Carlito"/>
             </a:endParaRPr>
           </a:p>
           <a:p>
@@ -31447,8 +31473,8 @@
         </p:nvSpPr>
         <p:spPr>
           <a:xfrm>
-            <a:off x="1176019" y="1496901"/>
-            <a:ext cx="8401050" cy="3782446"/>
+            <a:off x="1193291" y="1737360"/>
+            <a:ext cx="8401050" cy="3297698"/>
           </a:xfrm>
           <a:prstGeom prst="rect">
             <a:avLst/>
@@ -31534,36 +31560,6 @@
             </a:endParaRPr>
           </a:p>
           <a:p>
-            <a:pPr marL="12700">
-              <a:lnSpc>
-                <a:spcPct val="100000"/>
-              </a:lnSpc>
-              <a:spcBef>
-                <a:spcPts val="1200"/>
-              </a:spcBef>
-            </a:pPr>
-            <a:r>
-              <a:rPr lang="en-IN" sz="2000" u="heavy" spc="-10" dirty="0">
-                <a:solidFill>
-                  <a:srgbClr val="800080"/>
-                </a:solidFill>
-                <a:uFill>
-                  <a:solidFill>
-                    <a:srgbClr val="800080"/>
-                  </a:solidFill>
-                </a:uFill>
-                <a:latin typeface="Carlito"/>
-                <a:cs typeface="Carlito"/>
-                <a:hlinkClick r:id="rId2"/>
-              </a:rPr>
-              <a:t>https://github.com/navassherif98/IBM_Data_Science_Professional_Certification</a:t>
-            </a:r>
-            <a:endParaRPr sz="2000" dirty="0">
-              <a:latin typeface="Carlito"/>
-              <a:cs typeface="Carlito"/>
-            </a:endParaRPr>
-          </a:p>
-          <a:p>
             <a:pPr>
               <a:lnSpc>
                 <a:spcPct val="100000"/>
@@ -31572,7 +31568,47 @@
                 <a:spcPts val="40"/>
               </a:spcBef>
             </a:pPr>
-            <a:endParaRPr sz="1750" dirty="0">
+            <a:r>
+              <a:rPr lang="en-IN" sz="1600" u="heavy" spc="-10" dirty="0">
+                <a:solidFill>
+                  <a:srgbClr val="800080"/>
+                </a:solidFill>
+                <a:uFill>
+                  <a:solidFill>
+                    <a:srgbClr val="800080"/>
+                  </a:solidFill>
+                </a:uFill>
+                <a:latin typeface="Carlito"/>
+                <a:cs typeface="Carlito"/>
+                <a:hlinkClick r:id="rId2"/>
+              </a:rPr>
+              <a:t>https://github.com/ </a:t>
+            </a:r>
+            <a:r>
+              <a:rPr lang="en-US" sz="1600" dirty="0" err="1">
+                <a:hlinkClick r:id="rId3"/>
+              </a:rPr>
+              <a:t>aliinikkhah</a:t>
+            </a:r>
+            <a:r>
+              <a:rPr lang="en-US" sz="1600" dirty="0">
+                <a:hlinkClick r:id="rId3"/>
+              </a:rPr>
+              <a:t>/Data-science-journey: for </a:t>
+            </a:r>
+            <a:r>
+              <a:rPr lang="en-US" sz="1600" dirty="0" err="1">
+                <a:hlinkClick r:id="rId3"/>
+              </a:rPr>
+              <a:t>Ibm</a:t>
+            </a:r>
+            <a:r>
+              <a:rPr lang="en-US" sz="1600" dirty="0">
+                <a:hlinkClick r:id="rId3"/>
+              </a:rPr>
+              <a:t> (github.com)</a:t>
+            </a:r>
+            <a:endParaRPr lang="en-IN" sz="1750" dirty="0">
               <a:latin typeface="Carlito"/>
               <a:cs typeface="Carlito"/>
             </a:endParaRPr>
@@ -32004,7 +32040,7 @@
                 </a:uFill>
                 <a:latin typeface="Carlito"/>
                 <a:cs typeface="Carlito"/>
-                <a:hlinkClick r:id="rId3"/>
+                <a:hlinkClick r:id="rId4"/>
               </a:rPr>
               <a:t>https://www.coursera.org/professional-certificates/ibm-data-science?#instructors</a:t>
             </a:r>
